--- a/Research/PAPER/2024-05-Biot-Homogenization/2024-05-06 - Espinoza.pptx
+++ b/Research/PAPER/2024-05-Biot-Homogenization/2024-05-06 - Espinoza.pptx
@@ -8,20 +8,23 @@
     <p:sldId id="256" r:id="rId2"/>
     <p:sldId id="257" r:id="rId3"/>
     <p:sldId id="258" r:id="rId4"/>
-    <p:sldId id="259" r:id="rId5"/>
-    <p:sldId id="260" r:id="rId6"/>
-    <p:sldId id="261" r:id="rId7"/>
-    <p:sldId id="262" r:id="rId8"/>
-    <p:sldId id="264" r:id="rId9"/>
-    <p:sldId id="265" r:id="rId10"/>
-    <p:sldId id="267" r:id="rId11"/>
-    <p:sldId id="268" r:id="rId12"/>
-    <p:sldId id="269" r:id="rId13"/>
-    <p:sldId id="270" r:id="rId14"/>
-    <p:sldId id="271" r:id="rId15"/>
-    <p:sldId id="272" r:id="rId16"/>
-    <p:sldId id="273" r:id="rId17"/>
-    <p:sldId id="266" r:id="rId18"/>
+    <p:sldId id="274" r:id="rId5"/>
+    <p:sldId id="276" r:id="rId6"/>
+    <p:sldId id="277" r:id="rId7"/>
+    <p:sldId id="259" r:id="rId8"/>
+    <p:sldId id="260" r:id="rId9"/>
+    <p:sldId id="261" r:id="rId10"/>
+    <p:sldId id="262" r:id="rId11"/>
+    <p:sldId id="264" r:id="rId12"/>
+    <p:sldId id="265" r:id="rId13"/>
+    <p:sldId id="267" r:id="rId14"/>
+    <p:sldId id="268" r:id="rId15"/>
+    <p:sldId id="269" r:id="rId16"/>
+    <p:sldId id="270" r:id="rId17"/>
+    <p:sldId id="271" r:id="rId18"/>
+    <p:sldId id="272" r:id="rId19"/>
+    <p:sldId id="273" r:id="rId20"/>
+    <p:sldId id="266" r:id="rId21"/>
   </p:sldIdLst>
   <p:sldSz cx="10080625" cy="5670550"/>
   <p:notesSz cx="7772400" cy="10058400"/>
@@ -131,7 +134,7 @@
 <file path=ppt/revisionInfo.xml><?xml version="1.0" encoding="utf-8"?>
 <p1510:revInfo xmlns:a="http://schemas.openxmlformats.org/drawingml/2006/main" xmlns:r="http://schemas.openxmlformats.org/officeDocument/2006/relationships" xmlns:p1510="http://schemas.microsoft.com/office/powerpoint/2015/10/main">
   <p1510:revLst>
-    <p1510:client id="{CABD07C8-58E6-45FC-802E-3D0EFD1881D6}" v="15" dt="2024-05-16T21:42:11.568"/>
+    <p1510:client id="{CABD07C8-58E6-45FC-802E-3D0EFD1881D6}" v="20" dt="2024-05-17T21:03:25.054"/>
   </p1510:revLst>
 </p1510:revInfo>
 </file>
@@ -141,7 +144,7 @@
   <pc:docChgLst>
     <pc:chgData name="Renato Poli" userId="1615074c83fac315" providerId="LiveId" clId="{CABD07C8-58E6-45FC-802E-3D0EFD1881D6}"/>
     <pc:docChg chg="undo custSel addSld delSld modSld sldOrd delMainMaster">
-      <pc:chgData name="Renato Poli" userId="1615074c83fac315" providerId="LiveId" clId="{CABD07C8-58E6-45FC-802E-3D0EFD1881D6}" dt="2024-05-16T21:42:15.176" v="189" actId="14100"/>
+      <pc:chgData name="Renato Poli" userId="1615074c83fac315" providerId="LiveId" clId="{CABD07C8-58E6-45FC-802E-3D0EFD1881D6}" dt="2024-05-17T21:03:28.886" v="225" actId="14100"/>
       <pc:docMkLst>
         <pc:docMk/>
       </pc:docMkLst>
@@ -504,6 +507,98 @@
           </ac:graphicFrameMkLst>
         </pc:graphicFrameChg>
       </pc:sldChg>
+      <pc:sldChg chg="addSp delSp modSp new mod">
+        <pc:chgData name="Renato Poli" userId="1615074c83fac315" providerId="LiveId" clId="{CABD07C8-58E6-45FC-802E-3D0EFD1881D6}" dt="2024-05-17T20:59:59.662" v="213" actId="20577"/>
+        <pc:sldMkLst>
+          <pc:docMk/>
+          <pc:sldMk cId="959709048" sldId="274"/>
+        </pc:sldMkLst>
+        <pc:spChg chg="del">
+          <ac:chgData name="Renato Poli" userId="1615074c83fac315" providerId="LiveId" clId="{CABD07C8-58E6-45FC-802E-3D0EFD1881D6}" dt="2024-05-17T20:59:38.067" v="191" actId="478"/>
+          <ac:spMkLst>
+            <pc:docMk/>
+            <pc:sldMk cId="959709048" sldId="274"/>
+            <ac:spMk id="2" creationId="{80E1C027-DF98-79CB-EA69-10ED0975B892}"/>
+          </ac:spMkLst>
+        </pc:spChg>
+        <pc:spChg chg="del">
+          <ac:chgData name="Renato Poli" userId="1615074c83fac315" providerId="LiveId" clId="{CABD07C8-58E6-45FC-802E-3D0EFD1881D6}" dt="2024-05-17T20:59:38.067" v="191" actId="478"/>
+          <ac:spMkLst>
+            <pc:docMk/>
+            <pc:sldMk cId="959709048" sldId="274"/>
+            <ac:spMk id="3" creationId="{09BEFA20-66FD-41D4-0A7D-9A8A53585BF9}"/>
+          </ac:spMkLst>
+        </pc:spChg>
+        <pc:spChg chg="add mod">
+          <ac:chgData name="Renato Poli" userId="1615074c83fac315" providerId="LiveId" clId="{CABD07C8-58E6-45FC-802E-3D0EFD1881D6}" dt="2024-05-17T20:59:59.662" v="213" actId="20577"/>
+          <ac:spMkLst>
+            <pc:docMk/>
+            <pc:sldMk cId="959709048" sldId="274"/>
+            <ac:spMk id="7" creationId="{960BA2C2-CFA9-49E4-A820-A63AB8548C1F}"/>
+          </ac:spMkLst>
+        </pc:spChg>
+        <pc:picChg chg="add mod">
+          <ac:chgData name="Renato Poli" userId="1615074c83fac315" providerId="LiveId" clId="{CABD07C8-58E6-45FC-802E-3D0EFD1881D6}" dt="2024-05-17T20:59:52.012" v="195" actId="14100"/>
+          <ac:picMkLst>
+            <pc:docMk/>
+            <pc:sldMk cId="959709048" sldId="274"/>
+            <ac:picMk id="5" creationId="{448C2103-5301-7F31-1568-196A732992FF}"/>
+          </ac:picMkLst>
+        </pc:picChg>
+      </pc:sldChg>
+      <pc:sldChg chg="new del">
+        <pc:chgData name="Renato Poli" userId="1615074c83fac315" providerId="LiveId" clId="{CABD07C8-58E6-45FC-802E-3D0EFD1881D6}" dt="2024-05-17T21:02:47.121" v="216" actId="47"/>
+        <pc:sldMkLst>
+          <pc:docMk/>
+          <pc:sldMk cId="3288415563" sldId="275"/>
+        </pc:sldMkLst>
+      </pc:sldChg>
+      <pc:sldChg chg="addSp delSp modSp add mod">
+        <pc:chgData name="Renato Poli" userId="1615074c83fac315" providerId="LiveId" clId="{CABD07C8-58E6-45FC-802E-3D0EFD1881D6}" dt="2024-05-17T21:02:55.289" v="220" actId="14100"/>
+        <pc:sldMkLst>
+          <pc:docMk/>
+          <pc:sldMk cId="1228777930" sldId="276"/>
+        </pc:sldMkLst>
+        <pc:picChg chg="add mod">
+          <ac:chgData name="Renato Poli" userId="1615074c83fac315" providerId="LiveId" clId="{CABD07C8-58E6-45FC-802E-3D0EFD1881D6}" dt="2024-05-17T21:02:55.289" v="220" actId="14100"/>
+          <ac:picMkLst>
+            <pc:docMk/>
+            <pc:sldMk cId="1228777930" sldId="276"/>
+            <ac:picMk id="2" creationId="{8162E7E6-AEA3-CC66-D323-7CB24CAEF340}"/>
+          </ac:picMkLst>
+        </pc:picChg>
+        <pc:picChg chg="del">
+          <ac:chgData name="Renato Poli" userId="1615074c83fac315" providerId="LiveId" clId="{CABD07C8-58E6-45FC-802E-3D0EFD1881D6}" dt="2024-05-17T21:02:50.160" v="217" actId="478"/>
+          <ac:picMkLst>
+            <pc:docMk/>
+            <pc:sldMk cId="1228777930" sldId="276"/>
+            <ac:picMk id="5" creationId="{448C2103-5301-7F31-1568-196A732992FF}"/>
+          </ac:picMkLst>
+        </pc:picChg>
+      </pc:sldChg>
+      <pc:sldChg chg="addSp delSp modSp add mod">
+        <pc:chgData name="Renato Poli" userId="1615074c83fac315" providerId="LiveId" clId="{CABD07C8-58E6-45FC-802E-3D0EFD1881D6}" dt="2024-05-17T21:03:28.886" v="225" actId="14100"/>
+        <pc:sldMkLst>
+          <pc:docMk/>
+          <pc:sldMk cId="4203454643" sldId="277"/>
+        </pc:sldMkLst>
+        <pc:picChg chg="del">
+          <ac:chgData name="Renato Poli" userId="1615074c83fac315" providerId="LiveId" clId="{CABD07C8-58E6-45FC-802E-3D0EFD1881D6}" dt="2024-05-17T21:03:22.745" v="222" actId="478"/>
+          <ac:picMkLst>
+            <pc:docMk/>
+            <pc:sldMk cId="4203454643" sldId="277"/>
+            <ac:picMk id="2" creationId="{8162E7E6-AEA3-CC66-D323-7CB24CAEF340}"/>
+          </ac:picMkLst>
+        </pc:picChg>
+        <pc:picChg chg="add mod">
+          <ac:chgData name="Renato Poli" userId="1615074c83fac315" providerId="LiveId" clId="{CABD07C8-58E6-45FC-802E-3D0EFD1881D6}" dt="2024-05-17T21:03:28.886" v="225" actId="14100"/>
+          <ac:picMkLst>
+            <pc:docMk/>
+            <pc:sldMk cId="4203454643" sldId="277"/>
+            <ac:picMk id="3" creationId="{18E1D98B-C32F-0D8E-3E75-555BE95B7F80}"/>
+          </ac:picMkLst>
+        </pc:picChg>
+      </pc:sldChg>
       <pc:sldMasterChg chg="del delSldLayout">
         <pc:chgData name="Renato Poli" userId="1615074c83fac315" providerId="LiveId" clId="{CABD07C8-58E6-45FC-802E-3D0EFD1881D6}" dt="2024-05-16T21:32:46.683" v="8" actId="700"/>
         <pc:sldMasterMkLst>
@@ -5584,6 +5679,676 @@
           <a:chExt cx="0" cy="0"/>
         </a:xfrm>
       </p:grpSpPr>
+      <p:sp>
+        <p:nvSpPr>
+          <p:cNvPr id="100" name="TextBox 99"/>
+          <p:cNvSpPr txBox="1"/>
+          <p:nvPr/>
+        </p:nvSpPr>
+        <p:spPr>
+          <a:xfrm>
+            <a:off x="914400" y="457200"/>
+            <a:ext cx="6400800" cy="685800"/>
+          </a:xfrm>
+          <a:prstGeom prst="rect">
+            <a:avLst/>
+          </a:prstGeom>
+          <a:noFill/>
+          <a:ln w="0">
+            <a:noFill/>
+          </a:ln>
+        </p:spPr>
+        <p:txBody>
+          <a:bodyPr lIns="90000" tIns="45000" rIns="90000" bIns="45000" anchor="t">
+            <a:noAutofit/>
+          </a:bodyPr>
+          <a:lstStyle/>
+          <a:p>
+            <a:r>
+              <a:rPr lang="en-US" sz="1800" b="0" strike="noStrike" spc="-1">
+                <a:solidFill>
+                  <a:srgbClr val="000000"/>
+                </a:solidFill>
+                <a:latin typeface="Arial"/>
+              </a:rPr>
+              <a:t>TERZAGHI, IMPLICIT</a:t>
+            </a:r>
+          </a:p>
+        </p:txBody>
+      </p:sp>
+      <p:sp>
+        <p:nvSpPr>
+          <p:cNvPr id="101" name="TextBox 100"/>
+          <p:cNvSpPr txBox="1"/>
+          <p:nvPr/>
+        </p:nvSpPr>
+        <p:spPr>
+          <a:xfrm>
+            <a:off x="4343400" y="0"/>
+            <a:ext cx="2649600" cy="2138400"/>
+          </a:xfrm>
+          <a:prstGeom prst="rect">
+            <a:avLst/>
+          </a:prstGeom>
+          <a:noFill/>
+          <a:ln w="0">
+            <a:noFill/>
+          </a:ln>
+        </p:spPr>
+        <p:txBody>
+          <a:bodyPr lIns="90000" tIns="45000" rIns="90000" bIns="45000" anchor="t">
+            <a:noAutofit/>
+          </a:bodyPr>
+          <a:lstStyle/>
+          <a:p>
+            <a:r>
+              <a:rPr lang="en-US" sz="1300" b="0" strike="noStrike" spc="-1">
+                <a:solidFill>
+                  <a:srgbClr val="000000"/>
+                </a:solidFill>
+                <a:latin typeface="Arial"/>
+              </a:rPr>
+              <a:t> Mesh Information:</a:t>
+            </a:r>
+          </a:p>
+          <a:p>
+            <a:r>
+              <a:rPr lang="en-US" sz="1300" b="0" strike="noStrike" spc="-1">
+                <a:solidFill>
+                  <a:srgbClr val="000000"/>
+                </a:solidFill>
+                <a:latin typeface="Arial"/>
+              </a:rPr>
+              <a:t>  elem_dimensions()={3}</a:t>
+            </a:r>
+          </a:p>
+          <a:p>
+            <a:r>
+              <a:rPr lang="en-US" sz="1300" b="0" strike="noStrike" spc="-1">
+                <a:solidFill>
+                  <a:srgbClr val="000000"/>
+                </a:solidFill>
+                <a:latin typeface="Arial"/>
+              </a:rPr>
+              <a:t>  spatial_dimension()=3</a:t>
+            </a:r>
+          </a:p>
+          <a:p>
+            <a:r>
+              <a:rPr lang="en-US" sz="1300" b="0" strike="noStrike" spc="-1">
+                <a:solidFill>
+                  <a:srgbClr val="000000"/>
+                </a:solidFill>
+                <a:latin typeface="Arial"/>
+              </a:rPr>
+              <a:t>  n_nodes()=1798</a:t>
+            </a:r>
+          </a:p>
+          <a:p>
+            <a:r>
+              <a:rPr lang="en-US" sz="1300" b="0" strike="noStrike" spc="-1">
+                <a:solidFill>
+                  <a:srgbClr val="000000"/>
+                </a:solidFill>
+                <a:latin typeface="Arial"/>
+              </a:rPr>
+              <a:t>    n_local_nodes()=515</a:t>
+            </a:r>
+          </a:p>
+          <a:p>
+            <a:r>
+              <a:rPr lang="en-US" sz="1300" b="0" strike="noStrike" spc="-1">
+                <a:solidFill>
+                  <a:srgbClr val="000000"/>
+                </a:solidFill>
+                <a:latin typeface="Arial"/>
+              </a:rPr>
+              <a:t>  n_elem()=942</a:t>
+            </a:r>
+          </a:p>
+          <a:p>
+            <a:r>
+              <a:rPr lang="en-US" sz="1300" b="0" strike="noStrike" spc="-1">
+                <a:solidFill>
+                  <a:srgbClr val="000000"/>
+                </a:solidFill>
+                <a:latin typeface="Arial"/>
+              </a:rPr>
+              <a:t>    n_local_elem()=235</a:t>
+            </a:r>
+          </a:p>
+          <a:p>
+            <a:r>
+              <a:rPr lang="en-US" sz="1300" b="0" strike="noStrike" spc="-1">
+                <a:solidFill>
+                  <a:srgbClr val="000000"/>
+                </a:solidFill>
+                <a:latin typeface="Arial"/>
+              </a:rPr>
+              <a:t>    n_active_elem()=942</a:t>
+            </a:r>
+          </a:p>
+        </p:txBody>
+      </p:sp>
+      <p:pic>
+        <p:nvPicPr>
+          <p:cNvPr id="102" name="Picture 101"/>
+          <p:cNvPicPr/>
+          <p:nvPr/>
+        </p:nvPicPr>
+        <p:blipFill>
+          <a:blip r:embed="rId2"/>
+          <a:stretch/>
+        </p:blipFill>
+        <p:spPr>
+          <a:xfrm>
+            <a:off x="228600" y="1829160"/>
+            <a:ext cx="7314840" cy="3657240"/>
+          </a:xfrm>
+          <a:prstGeom prst="rect">
+            <a:avLst/>
+          </a:prstGeom>
+          <a:ln w="0">
+            <a:noFill/>
+          </a:ln>
+        </p:spPr>
+      </p:pic>
+      <p:pic>
+        <p:nvPicPr>
+          <p:cNvPr id="103" name="Picture 102"/>
+          <p:cNvPicPr/>
+          <p:nvPr/>
+        </p:nvPicPr>
+        <p:blipFill>
+          <a:blip r:embed="rId3"/>
+          <a:stretch/>
+        </p:blipFill>
+        <p:spPr>
+          <a:xfrm>
+            <a:off x="7543800" y="1143000"/>
+            <a:ext cx="2324880" cy="4071600"/>
+          </a:xfrm>
+          <a:prstGeom prst="rect">
+            <a:avLst/>
+          </a:prstGeom>
+          <a:ln w="0">
+            <a:noFill/>
+          </a:ln>
+        </p:spPr>
+      </p:pic>
+    </p:spTree>
+  </p:cSld>
+  <p:clrMapOvr>
+    <a:masterClrMapping/>
+  </p:clrMapOvr>
+</p:sld>
+</file>
+
+<file path=ppt/slides/slide11.xml><?xml version="1.0" encoding="utf-8"?>
+<p:sld xmlns:a="http://schemas.openxmlformats.org/drawingml/2006/main" xmlns:r="http://schemas.openxmlformats.org/officeDocument/2006/relationships" xmlns:p="http://schemas.openxmlformats.org/presentationml/2006/main">
+  <p:cSld>
+    <p:spTree>
+      <p:nvGrpSpPr>
+        <p:cNvPr id="1" name=""/>
+        <p:cNvGrpSpPr/>
+        <p:nvPr/>
+      </p:nvGrpSpPr>
+      <p:grpSpPr>
+        <a:xfrm>
+          <a:off x="0" y="0"/>
+          <a:ext cx="0" cy="0"/>
+          <a:chOff x="0" y="0"/>
+          <a:chExt cx="0" cy="0"/>
+        </a:xfrm>
+      </p:grpSpPr>
+      <p:pic>
+        <p:nvPicPr>
+          <p:cNvPr id="107" name="Picture 106"/>
+          <p:cNvPicPr/>
+          <p:nvPr/>
+        </p:nvPicPr>
+        <p:blipFill>
+          <a:blip r:embed="rId2"/>
+          <a:stretch/>
+        </p:blipFill>
+        <p:spPr>
+          <a:xfrm>
+            <a:off x="0" y="2057400"/>
+            <a:ext cx="7086600" cy="3543120"/>
+          </a:xfrm>
+          <a:prstGeom prst="rect">
+            <a:avLst/>
+          </a:prstGeom>
+          <a:ln w="0">
+            <a:noFill/>
+          </a:ln>
+        </p:spPr>
+      </p:pic>
+      <p:sp>
+        <p:nvSpPr>
+          <p:cNvPr id="108" name="TextBox 107"/>
+          <p:cNvSpPr txBox="1"/>
+          <p:nvPr/>
+        </p:nvSpPr>
+        <p:spPr>
+          <a:xfrm>
+            <a:off x="914400" y="457200"/>
+            <a:ext cx="6400800" cy="685800"/>
+          </a:xfrm>
+          <a:prstGeom prst="rect">
+            <a:avLst/>
+          </a:prstGeom>
+          <a:noFill/>
+          <a:ln w="0">
+            <a:noFill/>
+          </a:ln>
+        </p:spPr>
+        <p:txBody>
+          <a:bodyPr lIns="90000" tIns="45000" rIns="90000" bIns="45000" anchor="t">
+            <a:noAutofit/>
+          </a:bodyPr>
+          <a:lstStyle/>
+          <a:p>
+            <a:r>
+              <a:rPr lang="en-US" sz="1800" b="0" strike="noStrike" spc="-1">
+                <a:solidFill>
+                  <a:srgbClr val="000000"/>
+                </a:solidFill>
+                <a:latin typeface="Arial"/>
+              </a:rPr>
+              <a:t>MANDEL – CRANK NICHOLSON</a:t>
+            </a:r>
+          </a:p>
+        </p:txBody>
+      </p:sp>
+      <p:pic>
+        <p:nvPicPr>
+          <p:cNvPr id="109" name="Picture 108"/>
+          <p:cNvPicPr/>
+          <p:nvPr/>
+        </p:nvPicPr>
+        <p:blipFill>
+          <a:blip r:embed="rId3"/>
+          <a:stretch/>
+        </p:blipFill>
+        <p:spPr>
+          <a:xfrm>
+            <a:off x="5606640" y="0"/>
+            <a:ext cx="4473360" cy="2149200"/>
+          </a:xfrm>
+          <a:prstGeom prst="rect">
+            <a:avLst/>
+          </a:prstGeom>
+          <a:ln w="0">
+            <a:noFill/>
+          </a:ln>
+        </p:spPr>
+      </p:pic>
+      <p:sp>
+        <p:nvSpPr>
+          <p:cNvPr id="110" name="TextBox 109"/>
+          <p:cNvSpPr txBox="1"/>
+          <p:nvPr/>
+        </p:nvSpPr>
+        <p:spPr>
+          <a:xfrm>
+            <a:off x="7128360" y="2890800"/>
+            <a:ext cx="2701440" cy="2138400"/>
+          </a:xfrm>
+          <a:prstGeom prst="rect">
+            <a:avLst/>
+          </a:prstGeom>
+          <a:noFill/>
+          <a:ln w="0">
+            <a:noFill/>
+          </a:ln>
+        </p:spPr>
+        <p:txBody>
+          <a:bodyPr lIns="90000" tIns="45000" rIns="90000" bIns="45000" anchor="t">
+            <a:noAutofit/>
+          </a:bodyPr>
+          <a:lstStyle/>
+          <a:p>
+            <a:r>
+              <a:rPr lang="en-US" sz="1300" b="0" strike="noStrike" spc="-1">
+                <a:solidFill>
+                  <a:srgbClr val="000000"/>
+                </a:solidFill>
+                <a:latin typeface="Arial"/>
+              </a:rPr>
+              <a:t> Mesh Information:</a:t>
+            </a:r>
+          </a:p>
+          <a:p>
+            <a:r>
+              <a:rPr lang="en-US" sz="1300" b="0" strike="noStrike" spc="-1">
+                <a:solidFill>
+                  <a:srgbClr val="000000"/>
+                </a:solidFill>
+                <a:latin typeface="Arial"/>
+              </a:rPr>
+              <a:t>  elem_dimensions()={3}</a:t>
+            </a:r>
+          </a:p>
+          <a:p>
+            <a:r>
+              <a:rPr lang="en-US" sz="1300" b="0" strike="noStrike" spc="-1">
+                <a:solidFill>
+                  <a:srgbClr val="000000"/>
+                </a:solidFill>
+                <a:latin typeface="Arial"/>
+              </a:rPr>
+              <a:t>  spatial_dimension()=3</a:t>
+            </a:r>
+          </a:p>
+          <a:p>
+            <a:r>
+              <a:rPr lang="en-US" sz="1300" b="0" strike="noStrike" spc="-1">
+                <a:solidFill>
+                  <a:srgbClr val="000000"/>
+                </a:solidFill>
+                <a:latin typeface="Arial"/>
+              </a:rPr>
+              <a:t>  n_nodes()=3188</a:t>
+            </a:r>
+          </a:p>
+          <a:p>
+            <a:r>
+              <a:rPr lang="en-US" sz="1300" b="0" strike="noStrike" spc="-1">
+                <a:solidFill>
+                  <a:srgbClr val="000000"/>
+                </a:solidFill>
+                <a:latin typeface="Arial"/>
+              </a:rPr>
+              <a:t>    n_local_nodes()=858</a:t>
+            </a:r>
+          </a:p>
+          <a:p>
+            <a:r>
+              <a:rPr lang="en-US" sz="1300" b="0" strike="noStrike" spc="-1">
+                <a:solidFill>
+                  <a:srgbClr val="000000"/>
+                </a:solidFill>
+                <a:latin typeface="Arial"/>
+              </a:rPr>
+              <a:t>  n_elem()=1756</a:t>
+            </a:r>
+          </a:p>
+          <a:p>
+            <a:r>
+              <a:rPr lang="en-US" sz="1300" b="0" strike="noStrike" spc="-1">
+                <a:solidFill>
+                  <a:srgbClr val="000000"/>
+                </a:solidFill>
+                <a:latin typeface="Arial"/>
+              </a:rPr>
+              <a:t>    n_local_elem()=439</a:t>
+            </a:r>
+          </a:p>
+          <a:p>
+            <a:r>
+              <a:rPr lang="en-US" sz="1300" b="0" strike="noStrike" spc="-1">
+                <a:solidFill>
+                  <a:srgbClr val="000000"/>
+                </a:solidFill>
+                <a:latin typeface="Arial"/>
+              </a:rPr>
+              <a:t>    n_active_elem()=1756</a:t>
+            </a:r>
+          </a:p>
+        </p:txBody>
+      </p:sp>
+    </p:spTree>
+  </p:cSld>
+  <p:clrMapOvr>
+    <a:masterClrMapping/>
+  </p:clrMapOvr>
+</p:sld>
+</file>
+
+<file path=ppt/slides/slide12.xml><?xml version="1.0" encoding="utf-8"?>
+<p:sld xmlns:a="http://schemas.openxmlformats.org/drawingml/2006/main" xmlns:r="http://schemas.openxmlformats.org/officeDocument/2006/relationships" xmlns:p="http://schemas.openxmlformats.org/presentationml/2006/main">
+  <p:cSld>
+    <p:spTree>
+      <p:nvGrpSpPr>
+        <p:cNvPr id="1" name=""/>
+        <p:cNvGrpSpPr/>
+        <p:nvPr/>
+      </p:nvGrpSpPr>
+      <p:grpSpPr>
+        <a:xfrm>
+          <a:off x="0" y="0"/>
+          <a:ext cx="0" cy="0"/>
+          <a:chOff x="0" y="0"/>
+          <a:chExt cx="0" cy="0"/>
+        </a:xfrm>
+      </p:grpSpPr>
+      <p:pic>
+        <p:nvPicPr>
+          <p:cNvPr id="111" name="Picture 110"/>
+          <p:cNvPicPr/>
+          <p:nvPr/>
+        </p:nvPicPr>
+        <p:blipFill>
+          <a:blip r:embed="rId2"/>
+          <a:stretch/>
+        </p:blipFill>
+        <p:spPr>
+          <a:xfrm>
+            <a:off x="5257800" y="2949840"/>
+            <a:ext cx="4918320" cy="2765160"/>
+          </a:xfrm>
+          <a:prstGeom prst="rect">
+            <a:avLst/>
+          </a:prstGeom>
+          <a:ln w="0">
+            <a:noFill/>
+          </a:ln>
+        </p:spPr>
+      </p:pic>
+      <p:sp>
+        <p:nvSpPr>
+          <p:cNvPr id="112" name="TextBox 111"/>
+          <p:cNvSpPr txBox="1"/>
+          <p:nvPr/>
+        </p:nvSpPr>
+        <p:spPr>
+          <a:xfrm>
+            <a:off x="914400" y="457200"/>
+            <a:ext cx="6400800" cy="685800"/>
+          </a:xfrm>
+          <a:prstGeom prst="rect">
+            <a:avLst/>
+          </a:prstGeom>
+          <a:noFill/>
+          <a:ln w="0">
+            <a:noFill/>
+          </a:ln>
+        </p:spPr>
+        <p:txBody>
+          <a:bodyPr lIns="90000" tIns="45000" rIns="90000" bIns="45000" anchor="t">
+            <a:noAutofit/>
+          </a:bodyPr>
+          <a:lstStyle/>
+          <a:p>
+            <a:r>
+              <a:rPr lang="en-US" sz="1800" b="0" strike="noStrike" spc="-1">
+                <a:solidFill>
+                  <a:srgbClr val="000000"/>
+                </a:solidFill>
+                <a:latin typeface="Arial"/>
+              </a:rPr>
+              <a:t>MASS BALANCE</a:t>
+            </a:r>
+          </a:p>
+          <a:p>
+            <a:r>
+              <a:rPr lang="en-US" sz="1800" b="0" strike="noStrike" spc="-1">
+                <a:solidFill>
+                  <a:srgbClr val="000000"/>
+                </a:solidFill>
+                <a:latin typeface="Arial"/>
+              </a:rPr>
+              <a:t>197s</a:t>
+            </a:r>
+          </a:p>
+        </p:txBody>
+      </p:sp>
+      <p:sp>
+        <p:nvSpPr>
+          <p:cNvPr id="113" name="TextBox 112"/>
+          <p:cNvSpPr txBox="1"/>
+          <p:nvPr/>
+        </p:nvSpPr>
+        <p:spPr>
+          <a:xfrm>
+            <a:off x="7086600" y="147600"/>
+            <a:ext cx="2811240" cy="2138400"/>
+          </a:xfrm>
+          <a:prstGeom prst="rect">
+            <a:avLst/>
+          </a:prstGeom>
+          <a:noFill/>
+          <a:ln w="0">
+            <a:noFill/>
+          </a:ln>
+        </p:spPr>
+        <p:txBody>
+          <a:bodyPr lIns="90000" tIns="45000" rIns="90000" bIns="45000" anchor="t">
+            <a:noAutofit/>
+          </a:bodyPr>
+          <a:lstStyle/>
+          <a:p>
+            <a:r>
+              <a:rPr lang="en-US" sz="1050" b="0" strike="noStrike" spc="-1">
+                <a:solidFill>
+                  <a:srgbClr val="000000"/>
+                </a:solidFill>
+                <a:latin typeface="Arial"/>
+              </a:rPr>
+              <a:t> Mesh Information:</a:t>
+            </a:r>
+          </a:p>
+          <a:p>
+            <a:r>
+              <a:rPr lang="en-US" sz="1050" b="0" strike="noStrike" spc="-1">
+                <a:solidFill>
+                  <a:srgbClr val="000000"/>
+                </a:solidFill>
+                <a:latin typeface="Arial"/>
+              </a:rPr>
+              <a:t>  elem_dimensions()={3}</a:t>
+            </a:r>
+          </a:p>
+          <a:p>
+            <a:r>
+              <a:rPr lang="en-US" sz="1050" b="0" strike="noStrike" spc="-1">
+                <a:solidFill>
+                  <a:srgbClr val="000000"/>
+                </a:solidFill>
+                <a:latin typeface="Arial"/>
+              </a:rPr>
+              <a:t>  spatial_dimension()=3</a:t>
+            </a:r>
+          </a:p>
+          <a:p>
+            <a:r>
+              <a:rPr lang="en-US" sz="1050" b="0" strike="noStrike" spc="-1">
+                <a:solidFill>
+                  <a:srgbClr val="000000"/>
+                </a:solidFill>
+                <a:latin typeface="Arial"/>
+              </a:rPr>
+              <a:t>  n_nodes()=18045</a:t>
+            </a:r>
+          </a:p>
+          <a:p>
+            <a:r>
+              <a:rPr lang="en-US" sz="1050" b="0" strike="noStrike" spc="-1">
+                <a:solidFill>
+                  <a:srgbClr val="000000"/>
+                </a:solidFill>
+                <a:latin typeface="Arial"/>
+              </a:rPr>
+              <a:t>    n_local_nodes()=4867</a:t>
+            </a:r>
+          </a:p>
+          <a:p>
+            <a:r>
+              <a:rPr lang="en-US" sz="1050" b="0" strike="noStrike" spc="-1">
+                <a:solidFill>
+                  <a:srgbClr val="000000"/>
+                </a:solidFill>
+                <a:latin typeface="Arial"/>
+              </a:rPr>
+              <a:t>  n_elem()=12115</a:t>
+            </a:r>
+          </a:p>
+          <a:p>
+            <a:r>
+              <a:rPr lang="en-US" sz="1050" b="0" strike="noStrike" spc="-1">
+                <a:solidFill>
+                  <a:srgbClr val="000000"/>
+                </a:solidFill>
+                <a:latin typeface="Arial"/>
+              </a:rPr>
+              <a:t>    n_local_elem()=3028</a:t>
+            </a:r>
+          </a:p>
+          <a:p>
+            <a:r>
+              <a:rPr lang="en-US" sz="1050" b="0" strike="noStrike" spc="-1">
+                <a:solidFill>
+                  <a:srgbClr val="000000"/>
+                </a:solidFill>
+                <a:latin typeface="Arial"/>
+              </a:rPr>
+              <a:t>    n_active_elem()=12115</a:t>
+            </a:r>
+          </a:p>
+        </p:txBody>
+      </p:sp>
+      <p:graphicFrame>
+        <p:nvGraphicFramePr>
+          <p:cNvPr id="114" name="Chart 113"/>
+          <p:cNvGraphicFramePr/>
+          <p:nvPr/>
+        </p:nvGraphicFramePr>
+        <p:xfrm>
+          <a:off x="0" y="1143000"/>
+          <a:ext cx="5257800" cy="2959560"/>
+        </p:xfrm>
+        <a:graphic>
+          <a:graphicData uri="http://schemas.openxmlformats.org/drawingml/2006/chart">
+            <c:chart xmlns:c="http://schemas.openxmlformats.org/drawingml/2006/chart" xmlns:r="http://schemas.openxmlformats.org/officeDocument/2006/relationships" r:id="rId3"/>
+          </a:graphicData>
+        </a:graphic>
+      </p:graphicFrame>
+    </p:spTree>
+  </p:cSld>
+  <p:clrMapOvr>
+    <a:masterClrMapping/>
+  </p:clrMapOvr>
+</p:sld>
+</file>
+
+<file path=ppt/slides/slide13.xml><?xml version="1.0" encoding="utf-8"?>
+<p:sld xmlns:a="http://schemas.openxmlformats.org/drawingml/2006/main" xmlns:r="http://schemas.openxmlformats.org/officeDocument/2006/relationships" xmlns:p="http://schemas.openxmlformats.org/presentationml/2006/main">
+  <p:cSld>
+    <p:spTree>
+      <p:nvGrpSpPr>
+        <p:cNvPr id="1" name=""/>
+        <p:cNvGrpSpPr/>
+        <p:nvPr/>
+      </p:nvGrpSpPr>
+      <p:grpSpPr>
+        <a:xfrm>
+          <a:off x="0" y="0"/>
+          <a:ext cx="0" cy="0"/>
+          <a:chOff x="0" y="0"/>
+          <a:chExt cx="0" cy="0"/>
+        </a:xfrm>
+      </p:grpSpPr>
       <p:pic>
         <p:nvPicPr>
           <p:cNvPr id="7" name="Picture 6">
@@ -5666,7 +6431,7 @@
 </p:sld>
 </file>
 
-<file path=ppt/slides/slide11.xml><?xml version="1.0" encoding="utf-8"?>
+<file path=ppt/slides/slide14.xml><?xml version="1.0" encoding="utf-8"?>
 <p:sld xmlns:a="http://schemas.openxmlformats.org/drawingml/2006/main" xmlns:r="http://schemas.openxmlformats.org/officeDocument/2006/relationships" xmlns:p="http://schemas.openxmlformats.org/presentationml/2006/main">
   <p:cSld>
     <p:spTree>
@@ -5765,7 +6530,7 @@
 </p:sld>
 </file>
 
-<file path=ppt/slides/slide12.xml><?xml version="1.0" encoding="utf-8"?>
+<file path=ppt/slides/slide15.xml><?xml version="1.0" encoding="utf-8"?>
 <p:sld xmlns:a="http://schemas.openxmlformats.org/drawingml/2006/main" xmlns:r="http://schemas.openxmlformats.org/officeDocument/2006/relationships" xmlns:p="http://schemas.openxmlformats.org/presentationml/2006/main">
   <p:cSld>
     <p:spTree>
@@ -5864,7 +6629,7 @@
 </p:sld>
 </file>
 
-<file path=ppt/slides/slide13.xml><?xml version="1.0" encoding="utf-8"?>
+<file path=ppt/slides/slide16.xml><?xml version="1.0" encoding="utf-8"?>
 <p:sld xmlns:a="http://schemas.openxmlformats.org/drawingml/2006/main" xmlns:r="http://schemas.openxmlformats.org/officeDocument/2006/relationships" xmlns:p="http://schemas.openxmlformats.org/presentationml/2006/main">
   <p:cSld>
     <p:spTree>
@@ -5952,7 +6717,7 @@
 </p:sld>
 </file>
 
-<file path=ppt/slides/slide14.xml><?xml version="1.0" encoding="utf-8"?>
+<file path=ppt/slides/slide17.xml><?xml version="1.0" encoding="utf-8"?>
 <p:sld xmlns:a="http://schemas.openxmlformats.org/drawingml/2006/main" xmlns:r="http://schemas.openxmlformats.org/officeDocument/2006/relationships" xmlns:p="http://schemas.openxmlformats.org/presentationml/2006/main">
   <p:cSld>
     <p:spTree>
@@ -6034,7 +6799,7 @@
 </p:sld>
 </file>
 
-<file path=ppt/slides/slide15.xml><?xml version="1.0" encoding="utf-8"?>
+<file path=ppt/slides/slide18.xml><?xml version="1.0" encoding="utf-8"?>
 <p:sld xmlns:a="http://schemas.openxmlformats.org/drawingml/2006/main" xmlns:r="http://schemas.openxmlformats.org/officeDocument/2006/relationships" xmlns:p="http://schemas.openxmlformats.org/presentationml/2006/main">
   <p:cSld>
     <p:spTree>
@@ -6152,7 +6917,7 @@
 </p:sld>
 </file>
 
-<file path=ppt/slides/slide16.xml><?xml version="1.0" encoding="utf-8"?>
+<file path=ppt/slides/slide19.xml><?xml version="1.0" encoding="utf-8"?>
 <p:sld xmlns:a="http://schemas.openxmlformats.org/drawingml/2006/main" xmlns:r="http://schemas.openxmlformats.org/officeDocument/2006/relationships" xmlns:p="http://schemas.openxmlformats.org/presentationml/2006/main">
   <p:cSld>
     <p:spTree>
@@ -6233,136 +6998,6 @@
         <p14:creationId xmlns:p14="http://schemas.microsoft.com/office/powerpoint/2010/main" val="4007306200"/>
       </p:ext>
     </p:extLst>
-  </p:cSld>
-  <p:clrMapOvr>
-    <a:masterClrMapping/>
-  </p:clrMapOvr>
-</p:sld>
-</file>
-
-<file path=ppt/slides/slide17.xml><?xml version="1.0" encoding="utf-8"?>
-<p:sld xmlns:a="http://schemas.openxmlformats.org/drawingml/2006/main" xmlns:r="http://schemas.openxmlformats.org/officeDocument/2006/relationships" xmlns:p="http://schemas.openxmlformats.org/presentationml/2006/main">
-  <p:cSld>
-    <p:spTree>
-      <p:nvGrpSpPr>
-        <p:cNvPr id="1" name=""/>
-        <p:cNvGrpSpPr/>
-        <p:nvPr/>
-      </p:nvGrpSpPr>
-      <p:grpSpPr>
-        <a:xfrm>
-          <a:off x="0" y="0"/>
-          <a:ext cx="0" cy="0"/>
-          <a:chOff x="0" y="0"/>
-          <a:chExt cx="0" cy="0"/>
-        </a:xfrm>
-      </p:grpSpPr>
-      <p:sp>
-        <p:nvSpPr>
-          <p:cNvPr id="115" name="PlaceHolder 1"/>
-          <p:cNvSpPr>
-            <a:spLocks noGrp="1"/>
-          </p:cNvSpPr>
-          <p:nvPr>
-            <p:ph type="title"/>
-          </p:nvPr>
-        </p:nvSpPr>
-        <p:spPr>
-          <a:xfrm>
-            <a:off x="504000" y="226080"/>
-            <a:ext cx="9071640" cy="946440"/>
-          </a:xfrm>
-          <a:noFill/>
-          <a:ln w="0">
-            <a:noFill/>
-          </a:ln>
-        </p:spPr>
-        <p:txBody>
-          <a:bodyPr lIns="0" tIns="0" rIns="0" bIns="0" anchor="ctr">
-            <a:noAutofit/>
-          </a:bodyPr>
-          <a:lstStyle/>
-          <a:p>
-            <a:r>
-              <a:rPr lang="en-US" dirty="0"/>
-              <a:t>Notes</a:t>
-            </a:r>
-          </a:p>
-        </p:txBody>
-      </p:sp>
-      <p:sp>
-        <p:nvSpPr>
-          <p:cNvPr id="116" name="PlaceHolder 2"/>
-          <p:cNvSpPr>
-            <a:spLocks noGrp="1"/>
-          </p:cNvSpPr>
-          <p:nvPr>
-            <p:ph type="subTitle"/>
-          </p:nvPr>
-        </p:nvSpPr>
-        <p:spPr>
-          <a:xfrm>
-            <a:off x="504000" y="1326600"/>
-            <a:ext cx="9071640" cy="3288240"/>
-          </a:xfrm>
-          <a:noFill/>
-          <a:ln w="0">
-            <a:noFill/>
-          </a:ln>
-        </p:spPr>
-        <p:txBody>
-          <a:bodyPr lIns="0" tIns="0" rIns="0" bIns="0" anchor="t">
-            <a:normAutofit/>
-          </a:bodyPr>
-          <a:lstStyle/>
-          <a:p>
-            <a:r>
-              <a:rPr lang="en-US" dirty="0"/>
-              <a:t>Validate with </a:t>
-            </a:r>
-            <a:r>
-              <a:rPr lang="en-US" dirty="0" err="1"/>
-              <a:t>poroelastic</a:t>
-            </a:r>
-            <a:r>
-              <a:rPr lang="en-US" dirty="0"/>
-              <a:t> solution of </a:t>
-            </a:r>
-            <a:r>
-              <a:rPr lang="en-US" dirty="0" err="1"/>
-              <a:t>Detournay</a:t>
-            </a:r>
-            <a:endParaRPr lang="en-US" dirty="0"/>
-          </a:p>
-          <a:p>
-            <a:r>
-              <a:rPr lang="en-US" dirty="0"/>
-              <a:t>PKN model</a:t>
-            </a:r>
-          </a:p>
-          <a:p>
-            <a:endParaRPr lang="en-US" dirty="0"/>
-          </a:p>
-          <a:p>
-            <a:endParaRPr lang="en-US" dirty="0"/>
-          </a:p>
-          <a:p>
-            <a:pPr lvl="1"/>
-            <a:r>
-              <a:rPr lang="en-US" dirty="0">
-                <a:solidFill>
-                  <a:srgbClr val="FF0000"/>
-                </a:solidFill>
-              </a:rPr>
-              <a:t>Avoiding transients. Trying to use only linear steady-state</a:t>
-            </a:r>
-          </a:p>
-          <a:p>
-            <a:endParaRPr lang="en-US" dirty="0"/>
-          </a:p>
-        </p:txBody>
-      </p:sp>
-    </p:spTree>
   </p:cSld>
   <p:clrMapOvr>
     <a:masterClrMapping/>
@@ -6733,6 +7368,136 @@
               </a:solidFill>
               <a:latin typeface="Arial"/>
             </a:endParaRPr>
+          </a:p>
+        </p:txBody>
+      </p:sp>
+    </p:spTree>
+  </p:cSld>
+  <p:clrMapOvr>
+    <a:masterClrMapping/>
+  </p:clrMapOvr>
+</p:sld>
+</file>
+
+<file path=ppt/slides/slide20.xml><?xml version="1.0" encoding="utf-8"?>
+<p:sld xmlns:a="http://schemas.openxmlformats.org/drawingml/2006/main" xmlns:r="http://schemas.openxmlformats.org/officeDocument/2006/relationships" xmlns:p="http://schemas.openxmlformats.org/presentationml/2006/main">
+  <p:cSld>
+    <p:spTree>
+      <p:nvGrpSpPr>
+        <p:cNvPr id="1" name=""/>
+        <p:cNvGrpSpPr/>
+        <p:nvPr/>
+      </p:nvGrpSpPr>
+      <p:grpSpPr>
+        <a:xfrm>
+          <a:off x="0" y="0"/>
+          <a:ext cx="0" cy="0"/>
+          <a:chOff x="0" y="0"/>
+          <a:chExt cx="0" cy="0"/>
+        </a:xfrm>
+      </p:grpSpPr>
+      <p:sp>
+        <p:nvSpPr>
+          <p:cNvPr id="115" name="PlaceHolder 1"/>
+          <p:cNvSpPr>
+            <a:spLocks noGrp="1"/>
+          </p:cNvSpPr>
+          <p:nvPr>
+            <p:ph type="title"/>
+          </p:nvPr>
+        </p:nvSpPr>
+        <p:spPr>
+          <a:xfrm>
+            <a:off x="504000" y="226080"/>
+            <a:ext cx="9071640" cy="946440"/>
+          </a:xfrm>
+          <a:noFill/>
+          <a:ln w="0">
+            <a:noFill/>
+          </a:ln>
+        </p:spPr>
+        <p:txBody>
+          <a:bodyPr lIns="0" tIns="0" rIns="0" bIns="0" anchor="ctr">
+            <a:noAutofit/>
+          </a:bodyPr>
+          <a:lstStyle/>
+          <a:p>
+            <a:r>
+              <a:rPr lang="en-US" dirty="0"/>
+              <a:t>Notes</a:t>
+            </a:r>
+          </a:p>
+        </p:txBody>
+      </p:sp>
+      <p:sp>
+        <p:nvSpPr>
+          <p:cNvPr id="116" name="PlaceHolder 2"/>
+          <p:cNvSpPr>
+            <a:spLocks noGrp="1"/>
+          </p:cNvSpPr>
+          <p:nvPr>
+            <p:ph type="subTitle"/>
+          </p:nvPr>
+        </p:nvSpPr>
+        <p:spPr>
+          <a:xfrm>
+            <a:off x="504000" y="1326600"/>
+            <a:ext cx="9071640" cy="3288240"/>
+          </a:xfrm>
+          <a:noFill/>
+          <a:ln w="0">
+            <a:noFill/>
+          </a:ln>
+        </p:spPr>
+        <p:txBody>
+          <a:bodyPr lIns="0" tIns="0" rIns="0" bIns="0" anchor="t">
+            <a:normAutofit/>
+          </a:bodyPr>
+          <a:lstStyle/>
+          <a:p>
+            <a:r>
+              <a:rPr lang="en-US" dirty="0"/>
+              <a:t>Validate with </a:t>
+            </a:r>
+            <a:r>
+              <a:rPr lang="en-US" dirty="0" err="1"/>
+              <a:t>poroelastic</a:t>
+            </a:r>
+            <a:r>
+              <a:rPr lang="en-US" dirty="0"/>
+              <a:t> solution of </a:t>
+            </a:r>
+            <a:r>
+              <a:rPr lang="en-US" dirty="0" err="1"/>
+              <a:t>Detournay</a:t>
+            </a:r>
+            <a:endParaRPr lang="en-US" dirty="0"/>
+          </a:p>
+          <a:p>
+            <a:r>
+              <a:rPr lang="en-US" dirty="0"/>
+              <a:t>PKN model</a:t>
+            </a:r>
+          </a:p>
+          <a:p>
+            <a:endParaRPr lang="en-US" dirty="0"/>
+          </a:p>
+          <a:p>
+            <a:endParaRPr lang="en-US" dirty="0"/>
+          </a:p>
+          <a:p>
+            <a:pPr lvl="1"/>
+            <a:r>
+              <a:rPr lang="en-US" dirty="0">
+                <a:solidFill>
+                  <a:srgbClr val="FF0000"/>
+                </a:solidFill>
+              </a:rPr>
+              <a:t>Avoiding transients. Trying to use only linear steady-state</a:t>
+            </a:r>
+          </a:p>
+          <a:p>
+            <a:endParaRPr lang="en-US" dirty="0"/>
           </a:p>
         </p:txBody>
       </p:sp>
@@ -6966,7 +7731,7 @@
           <a:lstStyle/>
           <a:p>
             <a:r>
-              <a:rPr lang="en-US" sz="1800" b="0" strike="noStrike" spc="-1">
+              <a:rPr lang="en-US" sz="1800" b="0" strike="noStrike" spc="-1" dirty="0">
                 <a:solidFill>
                   <a:srgbClr val="000000"/>
                 </a:solidFill>
@@ -6976,7 +7741,7 @@
             </a:r>
           </a:p>
           <a:p>
-            <a:endParaRPr lang="en-US" sz="1800" b="0" strike="noStrike" spc="-1">
+            <a:endParaRPr lang="en-US" sz="1800" b="0" strike="noStrike" spc="-1" dirty="0">
               <a:solidFill>
                 <a:srgbClr val="000000"/>
               </a:solidFill>
@@ -6985,7 +7750,7 @@
           </a:p>
           <a:p>
             <a:r>
-              <a:rPr lang="en-US" sz="1800" b="0" strike="noStrike" spc="-1">
+              <a:rPr lang="en-US" sz="1800" b="0" strike="noStrike" spc="-1" dirty="0">
                 <a:solidFill>
                   <a:srgbClr val="000000"/>
                 </a:solidFill>
@@ -7064,6 +7829,357 @@
 </file>
 
 <file path=ppt/slides/slide4.xml><?xml version="1.0" encoding="utf-8"?>
+<p:sld xmlns:a="http://schemas.openxmlformats.org/drawingml/2006/main" xmlns:r="http://schemas.openxmlformats.org/officeDocument/2006/relationships" xmlns:p="http://schemas.openxmlformats.org/presentationml/2006/main">
+  <p:cSld>
+    <p:spTree>
+      <p:nvGrpSpPr>
+        <p:cNvPr id="1" name=""/>
+        <p:cNvGrpSpPr/>
+        <p:nvPr/>
+      </p:nvGrpSpPr>
+      <p:grpSpPr>
+        <a:xfrm>
+          <a:off x="0" y="0"/>
+          <a:ext cx="0" cy="0"/>
+          <a:chOff x="0" y="0"/>
+          <a:chExt cx="0" cy="0"/>
+        </a:xfrm>
+      </p:grpSpPr>
+      <p:pic>
+        <p:nvPicPr>
+          <p:cNvPr id="5" name="Picture 4" descr="A graph of a rainbow&#10;&#10;Description automatically generated">
+            <a:extLst>
+              <a:ext uri="{FF2B5EF4-FFF2-40B4-BE49-F238E27FC236}">
+                <a16:creationId xmlns:a16="http://schemas.microsoft.com/office/drawing/2014/main" id="{448C2103-5301-7F31-1568-196A732992FF}"/>
+              </a:ext>
+            </a:extLst>
+          </p:cNvPr>
+          <p:cNvPicPr>
+            <a:picLocks noChangeAspect="1"/>
+          </p:cNvPicPr>
+          <p:nvPr/>
+        </p:nvPicPr>
+        <p:blipFill>
+          <a:blip r:embed="rId2">
+            <a:extLst>
+              <a:ext uri="{28A0092B-C50C-407E-A947-70E740481C1C}">
+                <a14:useLocalDpi xmlns:a14="http://schemas.microsoft.com/office/drawing/2010/main" val="0"/>
+              </a:ext>
+            </a:extLst>
+          </a:blip>
+          <a:stretch>
+            <a:fillRect/>
+          </a:stretch>
+        </p:blipFill>
+        <p:spPr>
+          <a:xfrm>
+            <a:off x="2022785" y="1024759"/>
+            <a:ext cx="7589535" cy="4553721"/>
+          </a:xfrm>
+          <a:prstGeom prst="rect">
+            <a:avLst/>
+          </a:prstGeom>
+        </p:spPr>
+      </p:pic>
+      <p:sp>
+        <p:nvSpPr>
+          <p:cNvPr id="7" name="TextBox 6">
+            <a:extLst>
+              <a:ext uri="{FF2B5EF4-FFF2-40B4-BE49-F238E27FC236}">
+                <a16:creationId xmlns:a16="http://schemas.microsoft.com/office/drawing/2014/main" id="{960BA2C2-CFA9-49E4-A820-A63AB8548C1F}"/>
+              </a:ext>
+            </a:extLst>
+          </p:cNvPr>
+          <p:cNvSpPr txBox="1"/>
+          <p:nvPr/>
+        </p:nvSpPr>
+        <p:spPr>
+          <a:xfrm>
+            <a:off x="266043" y="323771"/>
+            <a:ext cx="5041024" cy="369332"/>
+          </a:xfrm>
+          <a:prstGeom prst="rect">
+            <a:avLst/>
+          </a:prstGeom>
+          <a:noFill/>
+        </p:spPr>
+        <p:txBody>
+          <a:bodyPr wrap="square">
+            <a:spAutoFit/>
+          </a:bodyPr>
+          <a:lstStyle/>
+          <a:p>
+            <a:r>
+              <a:rPr lang="en-US" sz="1800" b="0" strike="noStrike" spc="-1" dirty="0">
+                <a:solidFill>
+                  <a:srgbClr val="000000"/>
+                </a:solidFill>
+                <a:latin typeface="Arial"/>
+              </a:rPr>
+              <a:t>SNEDDON, Mesh </a:t>
+            </a:r>
+            <a:r>
+              <a:rPr lang="en-US" sz="1800" b="0" strike="noStrike" spc="-1" dirty="0" err="1">
+                <a:solidFill>
+                  <a:srgbClr val="000000"/>
+                </a:solidFill>
+                <a:latin typeface="Arial"/>
+              </a:rPr>
+              <a:t>sentitivity</a:t>
+            </a:r>
+            <a:endParaRPr lang="en-US" sz="1800" b="0" strike="noStrike" spc="-1" dirty="0">
+              <a:solidFill>
+                <a:srgbClr val="000000"/>
+              </a:solidFill>
+              <a:latin typeface="Arial"/>
+            </a:endParaRPr>
+          </a:p>
+        </p:txBody>
+      </p:sp>
+    </p:spTree>
+    <p:extLst>
+      <p:ext uri="{BB962C8B-B14F-4D97-AF65-F5344CB8AC3E}">
+        <p14:creationId xmlns:p14="http://schemas.microsoft.com/office/powerpoint/2010/main" val="959709048"/>
+      </p:ext>
+    </p:extLst>
+  </p:cSld>
+  <p:clrMapOvr>
+    <a:masterClrMapping/>
+  </p:clrMapOvr>
+</p:sld>
+</file>
+
+<file path=ppt/slides/slide5.xml><?xml version="1.0" encoding="utf-8"?>
+<p:sld xmlns:a="http://schemas.openxmlformats.org/drawingml/2006/main" xmlns:r="http://schemas.openxmlformats.org/officeDocument/2006/relationships" xmlns:p="http://schemas.openxmlformats.org/presentationml/2006/main">
+  <p:cSld>
+    <p:spTree>
+      <p:nvGrpSpPr>
+        <p:cNvPr id="1" name=""/>
+        <p:cNvGrpSpPr/>
+        <p:nvPr/>
+      </p:nvGrpSpPr>
+      <p:grpSpPr>
+        <a:xfrm>
+          <a:off x="0" y="0"/>
+          <a:ext cx="0" cy="0"/>
+          <a:chOff x="0" y="0"/>
+          <a:chExt cx="0" cy="0"/>
+        </a:xfrm>
+      </p:grpSpPr>
+      <p:sp>
+        <p:nvSpPr>
+          <p:cNvPr id="7" name="TextBox 6">
+            <a:extLst>
+              <a:ext uri="{FF2B5EF4-FFF2-40B4-BE49-F238E27FC236}">
+                <a16:creationId xmlns:a16="http://schemas.microsoft.com/office/drawing/2014/main" id="{960BA2C2-CFA9-49E4-A820-A63AB8548C1F}"/>
+              </a:ext>
+            </a:extLst>
+          </p:cNvPr>
+          <p:cNvSpPr txBox="1"/>
+          <p:nvPr/>
+        </p:nvSpPr>
+        <p:spPr>
+          <a:xfrm>
+            <a:off x="266043" y="323771"/>
+            <a:ext cx="5041024" cy="369332"/>
+          </a:xfrm>
+          <a:prstGeom prst="rect">
+            <a:avLst/>
+          </a:prstGeom>
+          <a:noFill/>
+        </p:spPr>
+        <p:txBody>
+          <a:bodyPr wrap="square">
+            <a:spAutoFit/>
+          </a:bodyPr>
+          <a:lstStyle/>
+          <a:p>
+            <a:r>
+              <a:rPr lang="en-US" sz="1800" b="0" strike="noStrike" spc="-1" dirty="0">
+                <a:solidFill>
+                  <a:srgbClr val="000000"/>
+                </a:solidFill>
+                <a:latin typeface="Arial"/>
+              </a:rPr>
+              <a:t>SNEDDON, Mesh </a:t>
+            </a:r>
+            <a:r>
+              <a:rPr lang="en-US" sz="1800" b="0" strike="noStrike" spc="-1" dirty="0" err="1">
+                <a:solidFill>
+                  <a:srgbClr val="000000"/>
+                </a:solidFill>
+                <a:latin typeface="Arial"/>
+              </a:rPr>
+              <a:t>sentitivity</a:t>
+            </a:r>
+            <a:endParaRPr lang="en-US" sz="1800" b="0" strike="noStrike" spc="-1" dirty="0">
+              <a:solidFill>
+                <a:srgbClr val="000000"/>
+              </a:solidFill>
+              <a:latin typeface="Arial"/>
+            </a:endParaRPr>
+          </a:p>
+        </p:txBody>
+      </p:sp>
+      <p:pic>
+        <p:nvPicPr>
+          <p:cNvPr id="2" name="Picture 1">
+            <a:extLst>
+              <a:ext uri="{FF2B5EF4-FFF2-40B4-BE49-F238E27FC236}">
+                <a16:creationId xmlns:a16="http://schemas.microsoft.com/office/drawing/2014/main" id="{8162E7E6-AEA3-CC66-D323-7CB24CAEF340}"/>
+              </a:ext>
+            </a:extLst>
+          </p:cNvPr>
+          <p:cNvPicPr>
+            <a:picLocks noChangeAspect="1"/>
+          </p:cNvPicPr>
+          <p:nvPr/>
+        </p:nvPicPr>
+        <p:blipFill>
+          <a:blip r:embed="rId2"/>
+          <a:stretch>
+            <a:fillRect/>
+          </a:stretch>
+        </p:blipFill>
+        <p:spPr>
+          <a:xfrm>
+            <a:off x="1809802" y="796159"/>
+            <a:ext cx="6664164" cy="4206458"/>
+          </a:xfrm>
+          <a:prstGeom prst="rect">
+            <a:avLst/>
+          </a:prstGeom>
+        </p:spPr>
+      </p:pic>
+    </p:spTree>
+    <p:extLst>
+      <p:ext uri="{BB962C8B-B14F-4D97-AF65-F5344CB8AC3E}">
+        <p14:creationId xmlns:p14="http://schemas.microsoft.com/office/powerpoint/2010/main" val="1228777930"/>
+      </p:ext>
+    </p:extLst>
+  </p:cSld>
+  <p:clrMapOvr>
+    <a:masterClrMapping/>
+  </p:clrMapOvr>
+</p:sld>
+</file>
+
+<file path=ppt/slides/slide6.xml><?xml version="1.0" encoding="utf-8"?>
+<p:sld xmlns:a="http://schemas.openxmlformats.org/drawingml/2006/main" xmlns:r="http://schemas.openxmlformats.org/officeDocument/2006/relationships" xmlns:p="http://schemas.openxmlformats.org/presentationml/2006/main">
+  <p:cSld>
+    <p:spTree>
+      <p:nvGrpSpPr>
+        <p:cNvPr id="1" name=""/>
+        <p:cNvGrpSpPr/>
+        <p:nvPr/>
+      </p:nvGrpSpPr>
+      <p:grpSpPr>
+        <a:xfrm>
+          <a:off x="0" y="0"/>
+          <a:ext cx="0" cy="0"/>
+          <a:chOff x="0" y="0"/>
+          <a:chExt cx="0" cy="0"/>
+        </a:xfrm>
+      </p:grpSpPr>
+      <p:sp>
+        <p:nvSpPr>
+          <p:cNvPr id="7" name="TextBox 6">
+            <a:extLst>
+              <a:ext uri="{FF2B5EF4-FFF2-40B4-BE49-F238E27FC236}">
+                <a16:creationId xmlns:a16="http://schemas.microsoft.com/office/drawing/2014/main" id="{960BA2C2-CFA9-49E4-A820-A63AB8548C1F}"/>
+              </a:ext>
+            </a:extLst>
+          </p:cNvPr>
+          <p:cNvSpPr txBox="1"/>
+          <p:nvPr/>
+        </p:nvSpPr>
+        <p:spPr>
+          <a:xfrm>
+            <a:off x="266043" y="323771"/>
+            <a:ext cx="5041024" cy="369332"/>
+          </a:xfrm>
+          <a:prstGeom prst="rect">
+            <a:avLst/>
+          </a:prstGeom>
+          <a:noFill/>
+        </p:spPr>
+        <p:txBody>
+          <a:bodyPr wrap="square">
+            <a:spAutoFit/>
+          </a:bodyPr>
+          <a:lstStyle/>
+          <a:p>
+            <a:r>
+              <a:rPr lang="en-US" sz="1800" b="0" strike="noStrike" spc="-1" dirty="0">
+                <a:solidFill>
+                  <a:srgbClr val="000000"/>
+                </a:solidFill>
+                <a:latin typeface="Arial"/>
+              </a:rPr>
+              <a:t>SNEDDON, Mesh </a:t>
+            </a:r>
+            <a:r>
+              <a:rPr lang="en-US" sz="1800" b="0" strike="noStrike" spc="-1" dirty="0" err="1">
+                <a:solidFill>
+                  <a:srgbClr val="000000"/>
+                </a:solidFill>
+                <a:latin typeface="Arial"/>
+              </a:rPr>
+              <a:t>sentitivity</a:t>
+            </a:r>
+            <a:endParaRPr lang="en-US" sz="1800" b="0" strike="noStrike" spc="-1" dirty="0">
+              <a:solidFill>
+                <a:srgbClr val="000000"/>
+              </a:solidFill>
+              <a:latin typeface="Arial"/>
+            </a:endParaRPr>
+          </a:p>
+        </p:txBody>
+      </p:sp>
+      <p:pic>
+        <p:nvPicPr>
+          <p:cNvPr id="3" name="Picture 2">
+            <a:extLst>
+              <a:ext uri="{FF2B5EF4-FFF2-40B4-BE49-F238E27FC236}">
+                <a16:creationId xmlns:a16="http://schemas.microsoft.com/office/drawing/2014/main" id="{18E1D98B-C32F-0D8E-3E75-555BE95B7F80}"/>
+              </a:ext>
+            </a:extLst>
+          </p:cNvPr>
+          <p:cNvPicPr>
+            <a:picLocks noChangeAspect="1"/>
+          </p:cNvPicPr>
+          <p:nvPr/>
+        </p:nvPicPr>
+        <p:blipFill>
+          <a:blip r:embed="rId2"/>
+          <a:stretch>
+            <a:fillRect/>
+          </a:stretch>
+        </p:blipFill>
+        <p:spPr>
+          <a:xfrm>
+            <a:off x="1749972" y="758394"/>
+            <a:ext cx="6826469" cy="4308906"/>
+          </a:xfrm>
+          <a:prstGeom prst="rect">
+            <a:avLst/>
+          </a:prstGeom>
+        </p:spPr>
+      </p:pic>
+    </p:spTree>
+    <p:extLst>
+      <p:ext uri="{BB962C8B-B14F-4D97-AF65-F5344CB8AC3E}">
+        <p14:creationId xmlns:p14="http://schemas.microsoft.com/office/powerpoint/2010/main" val="4203454643"/>
+      </p:ext>
+    </p:extLst>
+  </p:cSld>
+  <p:clrMapOvr>
+    <a:masterClrMapping/>
+  </p:clrMapOvr>
+</p:sld>
+</file>
+
+<file path=ppt/slides/slide7.xml><?xml version="1.0" encoding="utf-8"?>
 <p:sld xmlns:a="http://schemas.openxmlformats.org/drawingml/2006/main" xmlns:r="http://schemas.openxmlformats.org/officeDocument/2006/relationships" xmlns:p="http://schemas.openxmlformats.org/presentationml/2006/main">
   <p:cSld>
     <p:spTree>
@@ -7403,7 +8519,7 @@
 </p:sld>
 </file>
 
-<file path=ppt/slides/slide5.xml><?xml version="1.0" encoding="utf-8"?>
+<file path=ppt/slides/slide8.xml><?xml version="1.0" encoding="utf-8"?>
 <p:sld xmlns:a="http://schemas.openxmlformats.org/drawingml/2006/main" xmlns:r="http://schemas.openxmlformats.org/officeDocument/2006/relationships" xmlns:p="http://schemas.openxmlformats.org/presentationml/2006/main">
   <p:cSld>
     <p:spTree>
@@ -7703,7 +8819,7 @@
 </p:sld>
 </file>
 
-<file path=ppt/slides/slide6.xml><?xml version="1.0" encoding="utf-8"?>
+<file path=ppt/slides/slide9.xml><?xml version="1.0" encoding="utf-8"?>
 <p:sld xmlns:a="http://schemas.openxmlformats.org/drawingml/2006/main" xmlns:r="http://schemas.openxmlformats.org/officeDocument/2006/relationships" xmlns:p="http://schemas.openxmlformats.org/presentationml/2006/main">
   <p:cSld>
     <p:spTree>
@@ -7894,676 +9010,6 @@
           </a:p>
         </p:txBody>
       </p:sp>
-    </p:spTree>
-  </p:cSld>
-  <p:clrMapOvr>
-    <a:masterClrMapping/>
-  </p:clrMapOvr>
-</p:sld>
-</file>
-
-<file path=ppt/slides/slide7.xml><?xml version="1.0" encoding="utf-8"?>
-<p:sld xmlns:a="http://schemas.openxmlformats.org/drawingml/2006/main" xmlns:r="http://schemas.openxmlformats.org/officeDocument/2006/relationships" xmlns:p="http://schemas.openxmlformats.org/presentationml/2006/main">
-  <p:cSld>
-    <p:spTree>
-      <p:nvGrpSpPr>
-        <p:cNvPr id="1" name=""/>
-        <p:cNvGrpSpPr/>
-        <p:nvPr/>
-      </p:nvGrpSpPr>
-      <p:grpSpPr>
-        <a:xfrm>
-          <a:off x="0" y="0"/>
-          <a:ext cx="0" cy="0"/>
-          <a:chOff x="0" y="0"/>
-          <a:chExt cx="0" cy="0"/>
-        </a:xfrm>
-      </p:grpSpPr>
-      <p:sp>
-        <p:nvSpPr>
-          <p:cNvPr id="100" name="TextBox 99"/>
-          <p:cNvSpPr txBox="1"/>
-          <p:nvPr/>
-        </p:nvSpPr>
-        <p:spPr>
-          <a:xfrm>
-            <a:off x="914400" y="457200"/>
-            <a:ext cx="6400800" cy="685800"/>
-          </a:xfrm>
-          <a:prstGeom prst="rect">
-            <a:avLst/>
-          </a:prstGeom>
-          <a:noFill/>
-          <a:ln w="0">
-            <a:noFill/>
-          </a:ln>
-        </p:spPr>
-        <p:txBody>
-          <a:bodyPr lIns="90000" tIns="45000" rIns="90000" bIns="45000" anchor="t">
-            <a:noAutofit/>
-          </a:bodyPr>
-          <a:lstStyle/>
-          <a:p>
-            <a:r>
-              <a:rPr lang="en-US" sz="1800" b="0" strike="noStrike" spc="-1">
-                <a:solidFill>
-                  <a:srgbClr val="000000"/>
-                </a:solidFill>
-                <a:latin typeface="Arial"/>
-              </a:rPr>
-              <a:t>TERZAGHI, IMPLICIT</a:t>
-            </a:r>
-          </a:p>
-        </p:txBody>
-      </p:sp>
-      <p:sp>
-        <p:nvSpPr>
-          <p:cNvPr id="101" name="TextBox 100"/>
-          <p:cNvSpPr txBox="1"/>
-          <p:nvPr/>
-        </p:nvSpPr>
-        <p:spPr>
-          <a:xfrm>
-            <a:off x="4343400" y="0"/>
-            <a:ext cx="2649600" cy="2138400"/>
-          </a:xfrm>
-          <a:prstGeom prst="rect">
-            <a:avLst/>
-          </a:prstGeom>
-          <a:noFill/>
-          <a:ln w="0">
-            <a:noFill/>
-          </a:ln>
-        </p:spPr>
-        <p:txBody>
-          <a:bodyPr lIns="90000" tIns="45000" rIns="90000" bIns="45000" anchor="t">
-            <a:noAutofit/>
-          </a:bodyPr>
-          <a:lstStyle/>
-          <a:p>
-            <a:r>
-              <a:rPr lang="en-US" sz="1300" b="0" strike="noStrike" spc="-1">
-                <a:solidFill>
-                  <a:srgbClr val="000000"/>
-                </a:solidFill>
-                <a:latin typeface="Arial"/>
-              </a:rPr>
-              <a:t> Mesh Information:</a:t>
-            </a:r>
-          </a:p>
-          <a:p>
-            <a:r>
-              <a:rPr lang="en-US" sz="1300" b="0" strike="noStrike" spc="-1">
-                <a:solidFill>
-                  <a:srgbClr val="000000"/>
-                </a:solidFill>
-                <a:latin typeface="Arial"/>
-              </a:rPr>
-              <a:t>  elem_dimensions()={3}</a:t>
-            </a:r>
-          </a:p>
-          <a:p>
-            <a:r>
-              <a:rPr lang="en-US" sz="1300" b="0" strike="noStrike" spc="-1">
-                <a:solidFill>
-                  <a:srgbClr val="000000"/>
-                </a:solidFill>
-                <a:latin typeface="Arial"/>
-              </a:rPr>
-              <a:t>  spatial_dimension()=3</a:t>
-            </a:r>
-          </a:p>
-          <a:p>
-            <a:r>
-              <a:rPr lang="en-US" sz="1300" b="0" strike="noStrike" spc="-1">
-                <a:solidFill>
-                  <a:srgbClr val="000000"/>
-                </a:solidFill>
-                <a:latin typeface="Arial"/>
-              </a:rPr>
-              <a:t>  n_nodes()=1798</a:t>
-            </a:r>
-          </a:p>
-          <a:p>
-            <a:r>
-              <a:rPr lang="en-US" sz="1300" b="0" strike="noStrike" spc="-1">
-                <a:solidFill>
-                  <a:srgbClr val="000000"/>
-                </a:solidFill>
-                <a:latin typeface="Arial"/>
-              </a:rPr>
-              <a:t>    n_local_nodes()=515</a:t>
-            </a:r>
-          </a:p>
-          <a:p>
-            <a:r>
-              <a:rPr lang="en-US" sz="1300" b="0" strike="noStrike" spc="-1">
-                <a:solidFill>
-                  <a:srgbClr val="000000"/>
-                </a:solidFill>
-                <a:latin typeface="Arial"/>
-              </a:rPr>
-              <a:t>  n_elem()=942</a:t>
-            </a:r>
-          </a:p>
-          <a:p>
-            <a:r>
-              <a:rPr lang="en-US" sz="1300" b="0" strike="noStrike" spc="-1">
-                <a:solidFill>
-                  <a:srgbClr val="000000"/>
-                </a:solidFill>
-                <a:latin typeface="Arial"/>
-              </a:rPr>
-              <a:t>    n_local_elem()=235</a:t>
-            </a:r>
-          </a:p>
-          <a:p>
-            <a:r>
-              <a:rPr lang="en-US" sz="1300" b="0" strike="noStrike" spc="-1">
-                <a:solidFill>
-                  <a:srgbClr val="000000"/>
-                </a:solidFill>
-                <a:latin typeface="Arial"/>
-              </a:rPr>
-              <a:t>    n_active_elem()=942</a:t>
-            </a:r>
-          </a:p>
-        </p:txBody>
-      </p:sp>
-      <p:pic>
-        <p:nvPicPr>
-          <p:cNvPr id="102" name="Picture 101"/>
-          <p:cNvPicPr/>
-          <p:nvPr/>
-        </p:nvPicPr>
-        <p:blipFill>
-          <a:blip r:embed="rId2"/>
-          <a:stretch/>
-        </p:blipFill>
-        <p:spPr>
-          <a:xfrm>
-            <a:off x="228600" y="1829160"/>
-            <a:ext cx="7314840" cy="3657240"/>
-          </a:xfrm>
-          <a:prstGeom prst="rect">
-            <a:avLst/>
-          </a:prstGeom>
-          <a:ln w="0">
-            <a:noFill/>
-          </a:ln>
-        </p:spPr>
-      </p:pic>
-      <p:pic>
-        <p:nvPicPr>
-          <p:cNvPr id="103" name="Picture 102"/>
-          <p:cNvPicPr/>
-          <p:nvPr/>
-        </p:nvPicPr>
-        <p:blipFill>
-          <a:blip r:embed="rId3"/>
-          <a:stretch/>
-        </p:blipFill>
-        <p:spPr>
-          <a:xfrm>
-            <a:off x="7543800" y="1143000"/>
-            <a:ext cx="2324880" cy="4071600"/>
-          </a:xfrm>
-          <a:prstGeom prst="rect">
-            <a:avLst/>
-          </a:prstGeom>
-          <a:ln w="0">
-            <a:noFill/>
-          </a:ln>
-        </p:spPr>
-      </p:pic>
-    </p:spTree>
-  </p:cSld>
-  <p:clrMapOvr>
-    <a:masterClrMapping/>
-  </p:clrMapOvr>
-</p:sld>
-</file>
-
-<file path=ppt/slides/slide8.xml><?xml version="1.0" encoding="utf-8"?>
-<p:sld xmlns:a="http://schemas.openxmlformats.org/drawingml/2006/main" xmlns:r="http://schemas.openxmlformats.org/officeDocument/2006/relationships" xmlns:p="http://schemas.openxmlformats.org/presentationml/2006/main">
-  <p:cSld>
-    <p:spTree>
-      <p:nvGrpSpPr>
-        <p:cNvPr id="1" name=""/>
-        <p:cNvGrpSpPr/>
-        <p:nvPr/>
-      </p:nvGrpSpPr>
-      <p:grpSpPr>
-        <a:xfrm>
-          <a:off x="0" y="0"/>
-          <a:ext cx="0" cy="0"/>
-          <a:chOff x="0" y="0"/>
-          <a:chExt cx="0" cy="0"/>
-        </a:xfrm>
-      </p:grpSpPr>
-      <p:pic>
-        <p:nvPicPr>
-          <p:cNvPr id="107" name="Picture 106"/>
-          <p:cNvPicPr/>
-          <p:nvPr/>
-        </p:nvPicPr>
-        <p:blipFill>
-          <a:blip r:embed="rId2"/>
-          <a:stretch/>
-        </p:blipFill>
-        <p:spPr>
-          <a:xfrm>
-            <a:off x="0" y="2057400"/>
-            <a:ext cx="7086600" cy="3543120"/>
-          </a:xfrm>
-          <a:prstGeom prst="rect">
-            <a:avLst/>
-          </a:prstGeom>
-          <a:ln w="0">
-            <a:noFill/>
-          </a:ln>
-        </p:spPr>
-      </p:pic>
-      <p:sp>
-        <p:nvSpPr>
-          <p:cNvPr id="108" name="TextBox 107"/>
-          <p:cNvSpPr txBox="1"/>
-          <p:nvPr/>
-        </p:nvSpPr>
-        <p:spPr>
-          <a:xfrm>
-            <a:off x="914400" y="457200"/>
-            <a:ext cx="6400800" cy="685800"/>
-          </a:xfrm>
-          <a:prstGeom prst="rect">
-            <a:avLst/>
-          </a:prstGeom>
-          <a:noFill/>
-          <a:ln w="0">
-            <a:noFill/>
-          </a:ln>
-        </p:spPr>
-        <p:txBody>
-          <a:bodyPr lIns="90000" tIns="45000" rIns="90000" bIns="45000" anchor="t">
-            <a:noAutofit/>
-          </a:bodyPr>
-          <a:lstStyle/>
-          <a:p>
-            <a:r>
-              <a:rPr lang="en-US" sz="1800" b="0" strike="noStrike" spc="-1">
-                <a:solidFill>
-                  <a:srgbClr val="000000"/>
-                </a:solidFill>
-                <a:latin typeface="Arial"/>
-              </a:rPr>
-              <a:t>MANDEL – CRANK NICHOLSON</a:t>
-            </a:r>
-          </a:p>
-        </p:txBody>
-      </p:sp>
-      <p:pic>
-        <p:nvPicPr>
-          <p:cNvPr id="109" name="Picture 108"/>
-          <p:cNvPicPr/>
-          <p:nvPr/>
-        </p:nvPicPr>
-        <p:blipFill>
-          <a:blip r:embed="rId3"/>
-          <a:stretch/>
-        </p:blipFill>
-        <p:spPr>
-          <a:xfrm>
-            <a:off x="5606640" y="0"/>
-            <a:ext cx="4473360" cy="2149200"/>
-          </a:xfrm>
-          <a:prstGeom prst="rect">
-            <a:avLst/>
-          </a:prstGeom>
-          <a:ln w="0">
-            <a:noFill/>
-          </a:ln>
-        </p:spPr>
-      </p:pic>
-      <p:sp>
-        <p:nvSpPr>
-          <p:cNvPr id="110" name="TextBox 109"/>
-          <p:cNvSpPr txBox="1"/>
-          <p:nvPr/>
-        </p:nvSpPr>
-        <p:spPr>
-          <a:xfrm>
-            <a:off x="7128360" y="2890800"/>
-            <a:ext cx="2701440" cy="2138400"/>
-          </a:xfrm>
-          <a:prstGeom prst="rect">
-            <a:avLst/>
-          </a:prstGeom>
-          <a:noFill/>
-          <a:ln w="0">
-            <a:noFill/>
-          </a:ln>
-        </p:spPr>
-        <p:txBody>
-          <a:bodyPr lIns="90000" tIns="45000" rIns="90000" bIns="45000" anchor="t">
-            <a:noAutofit/>
-          </a:bodyPr>
-          <a:lstStyle/>
-          <a:p>
-            <a:r>
-              <a:rPr lang="en-US" sz="1300" b="0" strike="noStrike" spc="-1">
-                <a:solidFill>
-                  <a:srgbClr val="000000"/>
-                </a:solidFill>
-                <a:latin typeface="Arial"/>
-              </a:rPr>
-              <a:t> Mesh Information:</a:t>
-            </a:r>
-          </a:p>
-          <a:p>
-            <a:r>
-              <a:rPr lang="en-US" sz="1300" b="0" strike="noStrike" spc="-1">
-                <a:solidFill>
-                  <a:srgbClr val="000000"/>
-                </a:solidFill>
-                <a:latin typeface="Arial"/>
-              </a:rPr>
-              <a:t>  elem_dimensions()={3}</a:t>
-            </a:r>
-          </a:p>
-          <a:p>
-            <a:r>
-              <a:rPr lang="en-US" sz="1300" b="0" strike="noStrike" spc="-1">
-                <a:solidFill>
-                  <a:srgbClr val="000000"/>
-                </a:solidFill>
-                <a:latin typeface="Arial"/>
-              </a:rPr>
-              <a:t>  spatial_dimension()=3</a:t>
-            </a:r>
-          </a:p>
-          <a:p>
-            <a:r>
-              <a:rPr lang="en-US" sz="1300" b="0" strike="noStrike" spc="-1">
-                <a:solidFill>
-                  <a:srgbClr val="000000"/>
-                </a:solidFill>
-                <a:latin typeface="Arial"/>
-              </a:rPr>
-              <a:t>  n_nodes()=3188</a:t>
-            </a:r>
-          </a:p>
-          <a:p>
-            <a:r>
-              <a:rPr lang="en-US" sz="1300" b="0" strike="noStrike" spc="-1">
-                <a:solidFill>
-                  <a:srgbClr val="000000"/>
-                </a:solidFill>
-                <a:latin typeface="Arial"/>
-              </a:rPr>
-              <a:t>    n_local_nodes()=858</a:t>
-            </a:r>
-          </a:p>
-          <a:p>
-            <a:r>
-              <a:rPr lang="en-US" sz="1300" b="0" strike="noStrike" spc="-1">
-                <a:solidFill>
-                  <a:srgbClr val="000000"/>
-                </a:solidFill>
-                <a:latin typeface="Arial"/>
-              </a:rPr>
-              <a:t>  n_elem()=1756</a:t>
-            </a:r>
-          </a:p>
-          <a:p>
-            <a:r>
-              <a:rPr lang="en-US" sz="1300" b="0" strike="noStrike" spc="-1">
-                <a:solidFill>
-                  <a:srgbClr val="000000"/>
-                </a:solidFill>
-                <a:latin typeface="Arial"/>
-              </a:rPr>
-              <a:t>    n_local_elem()=439</a:t>
-            </a:r>
-          </a:p>
-          <a:p>
-            <a:r>
-              <a:rPr lang="en-US" sz="1300" b="0" strike="noStrike" spc="-1">
-                <a:solidFill>
-                  <a:srgbClr val="000000"/>
-                </a:solidFill>
-                <a:latin typeface="Arial"/>
-              </a:rPr>
-              <a:t>    n_active_elem()=1756</a:t>
-            </a:r>
-          </a:p>
-        </p:txBody>
-      </p:sp>
-    </p:spTree>
-  </p:cSld>
-  <p:clrMapOvr>
-    <a:masterClrMapping/>
-  </p:clrMapOvr>
-</p:sld>
-</file>
-
-<file path=ppt/slides/slide9.xml><?xml version="1.0" encoding="utf-8"?>
-<p:sld xmlns:a="http://schemas.openxmlformats.org/drawingml/2006/main" xmlns:r="http://schemas.openxmlformats.org/officeDocument/2006/relationships" xmlns:p="http://schemas.openxmlformats.org/presentationml/2006/main">
-  <p:cSld>
-    <p:spTree>
-      <p:nvGrpSpPr>
-        <p:cNvPr id="1" name=""/>
-        <p:cNvGrpSpPr/>
-        <p:nvPr/>
-      </p:nvGrpSpPr>
-      <p:grpSpPr>
-        <a:xfrm>
-          <a:off x="0" y="0"/>
-          <a:ext cx="0" cy="0"/>
-          <a:chOff x="0" y="0"/>
-          <a:chExt cx="0" cy="0"/>
-        </a:xfrm>
-      </p:grpSpPr>
-      <p:pic>
-        <p:nvPicPr>
-          <p:cNvPr id="111" name="Picture 110"/>
-          <p:cNvPicPr/>
-          <p:nvPr/>
-        </p:nvPicPr>
-        <p:blipFill>
-          <a:blip r:embed="rId2"/>
-          <a:stretch/>
-        </p:blipFill>
-        <p:spPr>
-          <a:xfrm>
-            <a:off x="5257800" y="2949840"/>
-            <a:ext cx="4918320" cy="2765160"/>
-          </a:xfrm>
-          <a:prstGeom prst="rect">
-            <a:avLst/>
-          </a:prstGeom>
-          <a:ln w="0">
-            <a:noFill/>
-          </a:ln>
-        </p:spPr>
-      </p:pic>
-      <p:sp>
-        <p:nvSpPr>
-          <p:cNvPr id="112" name="TextBox 111"/>
-          <p:cNvSpPr txBox="1"/>
-          <p:nvPr/>
-        </p:nvSpPr>
-        <p:spPr>
-          <a:xfrm>
-            <a:off x="914400" y="457200"/>
-            <a:ext cx="6400800" cy="685800"/>
-          </a:xfrm>
-          <a:prstGeom prst="rect">
-            <a:avLst/>
-          </a:prstGeom>
-          <a:noFill/>
-          <a:ln w="0">
-            <a:noFill/>
-          </a:ln>
-        </p:spPr>
-        <p:txBody>
-          <a:bodyPr lIns="90000" tIns="45000" rIns="90000" bIns="45000" anchor="t">
-            <a:noAutofit/>
-          </a:bodyPr>
-          <a:lstStyle/>
-          <a:p>
-            <a:r>
-              <a:rPr lang="en-US" sz="1800" b="0" strike="noStrike" spc="-1">
-                <a:solidFill>
-                  <a:srgbClr val="000000"/>
-                </a:solidFill>
-                <a:latin typeface="Arial"/>
-              </a:rPr>
-              <a:t>MASS BALANCE</a:t>
-            </a:r>
-          </a:p>
-          <a:p>
-            <a:r>
-              <a:rPr lang="en-US" sz="1800" b="0" strike="noStrike" spc="-1">
-                <a:solidFill>
-                  <a:srgbClr val="000000"/>
-                </a:solidFill>
-                <a:latin typeface="Arial"/>
-              </a:rPr>
-              <a:t>197s</a:t>
-            </a:r>
-          </a:p>
-        </p:txBody>
-      </p:sp>
-      <p:sp>
-        <p:nvSpPr>
-          <p:cNvPr id="113" name="TextBox 112"/>
-          <p:cNvSpPr txBox="1"/>
-          <p:nvPr/>
-        </p:nvSpPr>
-        <p:spPr>
-          <a:xfrm>
-            <a:off x="7086600" y="147600"/>
-            <a:ext cx="2811240" cy="2138400"/>
-          </a:xfrm>
-          <a:prstGeom prst="rect">
-            <a:avLst/>
-          </a:prstGeom>
-          <a:noFill/>
-          <a:ln w="0">
-            <a:noFill/>
-          </a:ln>
-        </p:spPr>
-        <p:txBody>
-          <a:bodyPr lIns="90000" tIns="45000" rIns="90000" bIns="45000" anchor="t">
-            <a:noAutofit/>
-          </a:bodyPr>
-          <a:lstStyle/>
-          <a:p>
-            <a:r>
-              <a:rPr lang="en-US" sz="1050" b="0" strike="noStrike" spc="-1">
-                <a:solidFill>
-                  <a:srgbClr val="000000"/>
-                </a:solidFill>
-                <a:latin typeface="Arial"/>
-              </a:rPr>
-              <a:t> Mesh Information:</a:t>
-            </a:r>
-          </a:p>
-          <a:p>
-            <a:r>
-              <a:rPr lang="en-US" sz="1050" b="0" strike="noStrike" spc="-1">
-                <a:solidFill>
-                  <a:srgbClr val="000000"/>
-                </a:solidFill>
-                <a:latin typeface="Arial"/>
-              </a:rPr>
-              <a:t>  elem_dimensions()={3}</a:t>
-            </a:r>
-          </a:p>
-          <a:p>
-            <a:r>
-              <a:rPr lang="en-US" sz="1050" b="0" strike="noStrike" spc="-1">
-                <a:solidFill>
-                  <a:srgbClr val="000000"/>
-                </a:solidFill>
-                <a:latin typeface="Arial"/>
-              </a:rPr>
-              <a:t>  spatial_dimension()=3</a:t>
-            </a:r>
-          </a:p>
-          <a:p>
-            <a:r>
-              <a:rPr lang="en-US" sz="1050" b="0" strike="noStrike" spc="-1">
-                <a:solidFill>
-                  <a:srgbClr val="000000"/>
-                </a:solidFill>
-                <a:latin typeface="Arial"/>
-              </a:rPr>
-              <a:t>  n_nodes()=18045</a:t>
-            </a:r>
-          </a:p>
-          <a:p>
-            <a:r>
-              <a:rPr lang="en-US" sz="1050" b="0" strike="noStrike" spc="-1">
-                <a:solidFill>
-                  <a:srgbClr val="000000"/>
-                </a:solidFill>
-                <a:latin typeface="Arial"/>
-              </a:rPr>
-              <a:t>    n_local_nodes()=4867</a:t>
-            </a:r>
-          </a:p>
-          <a:p>
-            <a:r>
-              <a:rPr lang="en-US" sz="1050" b="0" strike="noStrike" spc="-1">
-                <a:solidFill>
-                  <a:srgbClr val="000000"/>
-                </a:solidFill>
-                <a:latin typeface="Arial"/>
-              </a:rPr>
-              <a:t>  n_elem()=12115</a:t>
-            </a:r>
-          </a:p>
-          <a:p>
-            <a:r>
-              <a:rPr lang="en-US" sz="1050" b="0" strike="noStrike" spc="-1">
-                <a:solidFill>
-                  <a:srgbClr val="000000"/>
-                </a:solidFill>
-                <a:latin typeface="Arial"/>
-              </a:rPr>
-              <a:t>    n_local_elem()=3028</a:t>
-            </a:r>
-          </a:p>
-          <a:p>
-            <a:r>
-              <a:rPr lang="en-US" sz="1050" b="0" strike="noStrike" spc="-1">
-                <a:solidFill>
-                  <a:srgbClr val="000000"/>
-                </a:solidFill>
-                <a:latin typeface="Arial"/>
-              </a:rPr>
-              <a:t>    n_active_elem()=12115</a:t>
-            </a:r>
-          </a:p>
-        </p:txBody>
-      </p:sp>
-      <p:graphicFrame>
-        <p:nvGraphicFramePr>
-          <p:cNvPr id="114" name="Chart 113"/>
-          <p:cNvGraphicFramePr/>
-          <p:nvPr/>
-        </p:nvGraphicFramePr>
-        <p:xfrm>
-          <a:off x="0" y="1143000"/>
-          <a:ext cx="5257800" cy="2959560"/>
-        </p:xfrm>
-        <a:graphic>
-          <a:graphicData uri="http://schemas.openxmlformats.org/drawingml/2006/chart">
-            <c:chart xmlns:c="http://schemas.openxmlformats.org/drawingml/2006/chart" xmlns:r="http://schemas.openxmlformats.org/officeDocument/2006/relationships" r:id="rId3"/>
-          </a:graphicData>
-        </a:graphic>
-      </p:graphicFrame>
     </p:spTree>
   </p:cSld>
   <p:clrMapOvr>
